--- a/Presentation Git Workshop juni 2019.pptx
+++ b/Presentation Git Workshop juni 2019.pptx
@@ -1331,7 +1331,7 @@
           <a:graphicData uri="http://schemas.openxmlformats.org/presentationml/2006/ole">
             <mc:AlternateContent xmlns:mc="http://schemas.openxmlformats.org/markup-compatibility/2006">
               <mc:Choice xmlns:v="urn:schemas-microsoft-com:vml" Requires="v">
-                <p:oleObj spid="_x0000_s4098" name="think-cell Slide" r:id="rId4" imgW="338" imgH="337" progId="TCLayout.ActiveDocument.1">
+                <p:oleObj spid="_x0000_s4100" name="think-cell Slide" r:id="rId4" imgW="338" imgH="337" progId="TCLayout.ActiveDocument.1">
                   <p:embed/>
                 </p:oleObj>
               </mc:Choice>
@@ -5594,7 +5594,7 @@
         </p:nvSpPr>
         <p:spPr>
           <a:xfrm>
-            <a:off x="1797802" y="960983"/>
+            <a:off x="1797802" y="433227"/>
             <a:ext cx="2147582" cy="369332"/>
           </a:xfrm>
           <a:prstGeom prst="rect">
@@ -5630,8 +5630,8 @@
         </p:nvSpPr>
         <p:spPr>
           <a:xfrm>
-            <a:off x="1797802" y="1499493"/>
-            <a:ext cx="7826645" cy="2031325"/>
+            <a:off x="1797802" y="905936"/>
+            <a:ext cx="7826645" cy="1754326"/>
           </a:xfrm>
           <a:prstGeom prst="rect">
             <a:avLst/>
@@ -5678,7 +5678,7 @@
             </a:pPr>
             <a:r>
               <a:rPr lang="nl-NL" dirty="0"/>
-              <a:t>Geef het volgende commando : </a:t>
+              <a:t>Geef de volgende commando’s : </a:t>
             </a:r>
           </a:p>
           <a:p>
@@ -5686,8 +5686,27 @@
           </a:p>
           <a:p>
             <a:r>
+              <a:rPr lang="fr-FR" dirty="0"/>
+              <a:t>git config --global </a:t>
+            </a:r>
+            <a:r>
+              <a:rPr lang="fr-FR" dirty="0" err="1"/>
+              <a:t>http.sslVerify</a:t>
+            </a:r>
+            <a:r>
+              <a:rPr lang="fr-FR" dirty="0"/>
+              <a:t> false</a:t>
+            </a:r>
+            <a:endParaRPr lang="nl-NL" dirty="0"/>
+          </a:p>
+          <a:p>
+            <a:r>
               <a:rPr lang="nl-NL" dirty="0"/>
-              <a:t>Git </a:t>
+              <a:t>g</a:t>
+            </a:r>
+            <a:r>
+              <a:rPr lang="nl-NL"/>
+              <a:t>it </a:t>
             </a:r>
             <a:r>
               <a:rPr lang="nl-NL" dirty="0" err="1"/>
@@ -5710,16 +5729,6 @@
             <a:endParaRPr lang="en-US" altLang="en-US" sz="4000" dirty="0">
               <a:latin typeface="Arial" panose="020B0604020202020204" pitchFamily="34" charset="0"/>
             </a:endParaRPr>
-          </a:p>
-          <a:p>
-            <a:endParaRPr lang="nl-NL" dirty="0"/>
-          </a:p>
-          <a:p>
-            <a:pPr marL="285750" indent="-285750">
-              <a:buFontTx/>
-              <a:buChar char="-"/>
-            </a:pPr>
-            <a:endParaRPr lang="en-US" dirty="0"/>
           </a:p>
         </p:txBody>
       </p:sp>
@@ -7610,10 +7619,9 @@
               <a:t>deelnemers</a:t>
             </a:r>
             <a:r>
-              <a:rPr lang="en-US" sz="2133"/>
+              <a:rPr lang="en-US" sz="2133" dirty="0"/>
               <a:t> ( Labs ) </a:t>
             </a:r>
-            <a:endParaRPr lang="en-US" sz="2133" dirty="0"/>
           </a:p>
           <a:p>
             <a:endParaRPr lang="en-US" b="1" dirty="0"/>
